--- a/Later/Spring/4_Dependency_Injection/11/Constructor Injection with Collection having Dependent Object_set.pptx
+++ b/Later/Spring/4_Dependency_Injection/11/Constructor Injection with Collection having Dependent Object_set.pptx
@@ -4860,15 +4860,7 @@
             </a:pPr>
             <a:r>
               <a:rPr lang="en-US" sz="1200" dirty="0"/>
-              <a:t>The constructor-</a:t>
-            </a:r>
-            <a:r>
-              <a:rPr lang="en-US" sz="1200" dirty="0"/>
-              <a:t>arg</a:t>
-            </a:r>
-            <a:r>
-              <a:rPr lang="en-US" sz="1200" dirty="0"/>
-              <a:t> element invokes the constructor.The type attributes specifies that </a:t>
+              <a:t>The constructor-arg element invokes the constructor.The type attributes specifies that </a:t>
             </a:r>
             <a:r>
               <a:rPr lang="en-US" sz="1200" dirty="0">
@@ -4888,47 +4880,7 @@
                   <a:srgbClr val="FF0000"/>
                 </a:solidFill>
               </a:rPr>
-              <a:t>FruitShop</a:t>
-            </a:r>
-            <a:r>
-              <a:rPr lang="en-US" sz="1200" dirty="0">
-                <a:solidFill>
-                  <a:srgbClr val="FF0000"/>
-                </a:solidFill>
-              </a:rPr>
-              <a:t>(String </a:t>
-            </a:r>
-            <a:r>
-              <a:rPr lang="en-US" sz="1200" dirty="0">
-                <a:solidFill>
-                  <a:srgbClr val="FF0000"/>
-                </a:solidFill>
-              </a:rPr>
-              <a:t>shopName</a:t>
-            </a:r>
-            <a:r>
-              <a:rPr lang="en-US" sz="1200" dirty="0">
-                <a:solidFill>
-                  <a:srgbClr val="FF0000"/>
-                </a:solidFill>
-              </a:rPr>
-              <a:t>, Set&lt;Fruit&gt; </a:t>
-            </a:r>
-            <a:r>
-              <a:rPr lang="en-US" sz="1200" dirty="0">
-                <a:solidFill>
-                  <a:srgbClr val="FF0000"/>
-                </a:solidFill>
-              </a:rPr>
-              <a:t>setOfAvailableFruits</a:t>
-            </a:r>
-            <a:r>
-              <a:rPr lang="en-US" sz="1200" dirty="0">
-                <a:solidFill>
-                  <a:srgbClr val="FF0000"/>
-                </a:solidFill>
-              </a:rPr>
-              <a:t>)</a:t>
+              <a:t>FruitShop(String shopName, Set&lt;Fruit&gt; setOfAvailableFruits)</a:t>
             </a:r>
             <a:r>
               <a:rPr lang="en-US" sz="1200" dirty="0" smtClean="0">
@@ -4958,13 +4910,13 @@
         </p:nvSpPr>
         <p:spPr>
           <a:xfrm>
-            <a:off x="5181600" y="3724275"/>
+            <a:off x="5029200" y="3456404"/>
             <a:ext cx="3076575" cy="579585"/>
           </a:xfrm>
           <a:prstGeom prst="wedgeRoundRectCallout">
             <a:avLst>
-              <a:gd name="adj1" fmla="val -175396"/>
-              <a:gd name="adj2" fmla="val 2913"/>
+              <a:gd name="adj1" fmla="val -167037"/>
+              <a:gd name="adj2" fmla="val 43998"/>
               <a:gd name="adj3" fmla="val 16667"/>
             </a:avLst>
           </a:prstGeom>
@@ -4988,10 +4940,6 @@
           <a:bodyPr rtlCol="0" anchor="ctr"/>
           <a:lstStyle/>
           <a:p>
-            <a:pPr marL="171450" indent="-171450">
-              <a:buFont typeface="Wingdings" pitchFamily="2" charset="2"/>
-              <a:buChar char="ü"/>
-            </a:pPr>
             <a:r>
               <a:rPr lang="en-US" sz="1200" dirty="0"/>
               <a:t>The </a:t>
@@ -5006,15 +4954,7 @@
             </a:r>
             <a:r>
               <a:rPr lang="en-US" sz="1200" dirty="0"/>
-              <a:t>element of constructor-</a:t>
-            </a:r>
-            <a:r>
-              <a:rPr lang="en-US" sz="1200" dirty="0"/>
-              <a:t>arg</a:t>
-            </a:r>
-            <a:r>
-              <a:rPr lang="en-US" sz="1200" dirty="0"/>
-              <a:t> is used here to define the </a:t>
+              <a:t>element of constructor-arg is used here to define the </a:t>
             </a:r>
             <a:r>
               <a:rPr lang="en-US" sz="1200" dirty="0">
@@ -5028,7 +4968,6 @@
               <a:rPr lang="en-US" sz="1200" dirty="0"/>
               <a:t>.</a:t>
             </a:r>
-            <a:endParaRPr lang="en-US" sz="1200" dirty="0"/>
           </a:p>
         </p:txBody>
       </p:sp>
@@ -5080,6 +5019,88 @@
               <a:rPr lang="en-US" sz="1200" dirty="0"/>
               <a:t>having Dependent Object</a:t>
             </a:r>
+          </a:p>
+        </p:txBody>
+      </p:sp>
+      <p:sp>
+        <p:nvSpPr>
+          <p:cNvPr id="9" name="Rounded Rectangular Callout 8"/>
+          <p:cNvSpPr/>
+          <p:nvPr/>
+        </p:nvSpPr>
+        <p:spPr>
+          <a:xfrm>
+            <a:off x="5257800" y="4199623"/>
+            <a:ext cx="3657600" cy="753377"/>
+          </a:xfrm>
+          <a:prstGeom prst="wedgeRoundRectCallout">
+            <a:avLst>
+              <a:gd name="adj1" fmla="val -152477"/>
+              <a:gd name="adj2" fmla="val -44873"/>
+              <a:gd name="adj3" fmla="val 16667"/>
+            </a:avLst>
+          </a:prstGeom>
+          <a:ln w="3175"/>
+        </p:spPr>
+        <p:style>
+          <a:lnRef idx="2">
+            <a:schemeClr val="accent4"/>
+          </a:lnRef>
+          <a:fillRef idx="1">
+            <a:schemeClr val="lt1"/>
+          </a:fillRef>
+          <a:effectRef idx="0">
+            <a:schemeClr val="accent4"/>
+          </a:effectRef>
+          <a:fontRef idx="minor">
+            <a:schemeClr val="dk1"/>
+          </a:fontRef>
+        </p:style>
+        <p:txBody>
+          <a:bodyPr rtlCol="0" anchor="ctr"/>
+          <a:lstStyle/>
+          <a:p>
+            <a:r>
+              <a:rPr lang="en-US" sz="1200" dirty="0"/>
+              <a:t>The </a:t>
+            </a:r>
+            <a:r>
+              <a:rPr lang="en-US" sz="1200" b="1" dirty="0">
+                <a:solidFill>
+                  <a:srgbClr val="FF0000"/>
+                </a:solidFill>
+              </a:rPr>
+              <a:t>ref</a:t>
+            </a:r>
+            <a:r>
+              <a:rPr lang="en-US" sz="1200" dirty="0"/>
+              <a:t> element is used to define the reference of another bean. Here, we are using </a:t>
+            </a:r>
+            <a:r>
+              <a:rPr lang="en-US" sz="1200" b="1" dirty="0">
+                <a:solidFill>
+                  <a:srgbClr val="FF0000"/>
+                </a:solidFill>
+              </a:rPr>
+              <a:t>bean</a:t>
+            </a:r>
+            <a:r>
+              <a:rPr lang="en-US" sz="1200" dirty="0"/>
+              <a:t> attribute of </a:t>
+            </a:r>
+            <a:r>
+              <a:rPr lang="en-US" sz="1200" b="1" dirty="0">
+                <a:solidFill>
+                  <a:srgbClr val="FF0000"/>
+                </a:solidFill>
+              </a:rPr>
+              <a:t>ref</a:t>
+            </a:r>
+            <a:r>
+              <a:rPr lang="en-US" sz="1200" dirty="0"/>
+              <a:t> element to specify the reference of another bean</a:t>
+            </a:r>
+            <a:endParaRPr lang="en-US" sz="1200" dirty="0"/>
           </a:p>
         </p:txBody>
       </p:sp>
